--- a/Phase1/Poster/PosterOption4.pptx
+++ b/Phase1/Poster/PosterOption4.pptx
@@ -328,7 +328,7 @@
             <a:fld id="{D9D26CB9-01E4-44B8-8084-BCC418CF4A2D}" type="datetimeFigureOut">
               <a:rPr lang="en-US" smtClean="0"/>
               <a:pPr/>
-              <a:t>5/16/2016</a:t>
+              <a:t>5/20/2016</a:t>
             </a:fld>
             <a:endParaRPr lang="en-US"/>
           </a:p>
@@ -493,7 +493,7 @@
             <a:fld id="{D9D26CB9-01E4-44B8-8084-BCC418CF4A2D}" type="datetimeFigureOut">
               <a:rPr lang="en-US" smtClean="0"/>
               <a:pPr/>
-              <a:t>5/16/2016</a:t>
+              <a:t>5/20/2016</a:t>
             </a:fld>
             <a:endParaRPr lang="en-US"/>
           </a:p>
@@ -668,7 +668,7 @@
             <a:fld id="{D9D26CB9-01E4-44B8-8084-BCC418CF4A2D}" type="datetimeFigureOut">
               <a:rPr lang="en-US" smtClean="0"/>
               <a:pPr/>
-              <a:t>5/16/2016</a:t>
+              <a:t>5/20/2016</a:t>
             </a:fld>
             <a:endParaRPr lang="en-US"/>
           </a:p>
@@ -833,7 +833,7 @@
             <a:fld id="{D9D26CB9-01E4-44B8-8084-BCC418CF4A2D}" type="datetimeFigureOut">
               <a:rPr lang="en-US" smtClean="0"/>
               <a:pPr/>
-              <a:t>5/16/2016</a:t>
+              <a:t>5/20/2016</a:t>
             </a:fld>
             <a:endParaRPr lang="en-US"/>
           </a:p>
@@ -1075,7 +1075,7 @@
             <a:fld id="{D9D26CB9-01E4-44B8-8084-BCC418CF4A2D}" type="datetimeFigureOut">
               <a:rPr lang="en-US" smtClean="0"/>
               <a:pPr/>
-              <a:t>5/16/2016</a:t>
+              <a:t>5/20/2016</a:t>
             </a:fld>
             <a:endParaRPr lang="en-US"/>
           </a:p>
@@ -1357,7 +1357,7 @@
             <a:fld id="{D9D26CB9-01E4-44B8-8084-BCC418CF4A2D}" type="datetimeFigureOut">
               <a:rPr lang="en-US" smtClean="0"/>
               <a:pPr/>
-              <a:t>5/16/2016</a:t>
+              <a:t>5/20/2016</a:t>
             </a:fld>
             <a:endParaRPr lang="en-US"/>
           </a:p>
@@ -1773,7 +1773,7 @@
             <a:fld id="{D9D26CB9-01E4-44B8-8084-BCC418CF4A2D}" type="datetimeFigureOut">
               <a:rPr lang="en-US" smtClean="0"/>
               <a:pPr/>
-              <a:t>5/16/2016</a:t>
+              <a:t>5/20/2016</a:t>
             </a:fld>
             <a:endParaRPr lang="en-US"/>
           </a:p>
@@ -1887,7 +1887,7 @@
             <a:fld id="{D9D26CB9-01E4-44B8-8084-BCC418CF4A2D}" type="datetimeFigureOut">
               <a:rPr lang="en-US" smtClean="0"/>
               <a:pPr/>
-              <a:t>5/16/2016</a:t>
+              <a:t>5/20/2016</a:t>
             </a:fld>
             <a:endParaRPr lang="en-US"/>
           </a:p>
@@ -1979,7 +1979,7 @@
             <a:fld id="{D9D26CB9-01E4-44B8-8084-BCC418CF4A2D}" type="datetimeFigureOut">
               <a:rPr lang="en-US" smtClean="0"/>
               <a:pPr/>
-              <a:t>5/16/2016</a:t>
+              <a:t>5/20/2016</a:t>
             </a:fld>
             <a:endParaRPr lang="en-US"/>
           </a:p>
@@ -2251,7 +2251,7 @@
             <a:fld id="{D9D26CB9-01E4-44B8-8084-BCC418CF4A2D}" type="datetimeFigureOut">
               <a:rPr lang="en-US" smtClean="0"/>
               <a:pPr/>
-              <a:t>5/16/2016</a:t>
+              <a:t>5/20/2016</a:t>
             </a:fld>
             <a:endParaRPr lang="en-US"/>
           </a:p>
@@ -2500,7 +2500,7 @@
             <a:fld id="{D9D26CB9-01E4-44B8-8084-BCC418CF4A2D}" type="datetimeFigureOut">
               <a:rPr lang="en-US" smtClean="0"/>
               <a:pPr/>
-              <a:t>5/16/2016</a:t>
+              <a:t>5/20/2016</a:t>
             </a:fld>
             <a:endParaRPr lang="en-US"/>
           </a:p>
@@ -2708,7 +2708,7 @@
             <a:fld id="{D9D26CB9-01E4-44B8-8084-BCC418CF4A2D}" type="datetimeFigureOut">
               <a:rPr lang="en-US" smtClean="0"/>
               <a:pPr/>
-              <a:t>5/16/2016</a:t>
+              <a:t>5/20/2016</a:t>
             </a:fld>
             <a:endParaRPr lang="en-US"/>
           </a:p>
@@ -3831,22 +3831,7 @@
               </a:spcBef>
               <a:buNone/>
             </a:pPr>
-            <a:r>
-              <a:rPr lang="en-US" sz="2800" dirty="0"/>
-              <a:t>Small educational satellites called CubeSats have been launched by dozens of universities and countries around the world, but so far Oregon has yet to join the elite club of states that have flown a home-grown CubeSat in space. The Portland State Aerospace Society (PSAS) would like to change that! PSAS has included several other Oregon schools in the ORESAT project to build a CubeSat and send it into orbit. Two NASA programs make that possible, the NASA CubeSat Launch Initiative and NASA’s Educational Launch of Nanosatellites program.</a:t>
-            </a:r>
-          </a:p>
-          <a:p>
-            <a:pPr marL="0" indent="0">
-              <a:spcBef>
-                <a:spcPts val="1500"/>
-              </a:spcBef>
-              <a:buNone/>
-            </a:pPr>
-            <a:r>
-              <a:rPr lang="en-US" sz="2800" dirty="0"/>
-              <a:t>PSAS needed a command, control, and communications system for the CubeSat project. The project was fondly nicknamed Sputnik because it doesn’t have sensors, but has a radio. Sputnik will eventually be responsible for communications to and from a 400km low earth orbit.  It will retrieve scientific data from the CubeSat’s payload of sensor modules and send the data back to earth. Sputnik will also relay commands like “Take a picture” or “Turn around”. In space it will need to be able to deal with a temperature range of -40C to 85C and radiation events that could cause components to latch up and cause shorts.</a:t>
-            </a:r>
+            <a:endParaRPr lang="en-US" sz="2800" dirty="0"/>
           </a:p>
         </p:txBody>
       </p:sp>
